--- a/iot-basic/images/cloudshell.pptx
+++ b/iot-basic/images/cloudshell.pptx
@@ -487,7 +487,7 @@
           <a:p>
             <a:fld id="{423E73C1-A55A-E744-B6CD-C2F9DA663573}" type="datetimeFigureOut">
               <a:rPr kumimoji="1" lang="ja-JP" altLang="en-US" smtClean="0"/>
-              <a:t>2018/9/18</a:t>
+              <a:t>2018/9/19</a:t>
             </a:fld>
             <a:endParaRPr kumimoji="1" lang="ja-JP" altLang="en-US"/>
           </a:p>
@@ -692,7 +692,7 @@
           <a:p>
             <a:fld id="{423E73C1-A55A-E744-B6CD-C2F9DA663573}" type="datetimeFigureOut">
               <a:rPr kumimoji="1" lang="ja-JP" altLang="en-US" smtClean="0"/>
-              <a:t>2018/9/18</a:t>
+              <a:t>2018/9/19</a:t>
             </a:fld>
             <a:endParaRPr kumimoji="1" lang="ja-JP" altLang="en-US"/>
           </a:p>
@@ -907,7 +907,7 @@
           <a:p>
             <a:fld id="{423E73C1-A55A-E744-B6CD-C2F9DA663573}" type="datetimeFigureOut">
               <a:rPr kumimoji="1" lang="ja-JP" altLang="en-US" smtClean="0"/>
-              <a:t>2018/9/18</a:t>
+              <a:t>2018/9/19</a:t>
             </a:fld>
             <a:endParaRPr kumimoji="1" lang="ja-JP" altLang="en-US"/>
           </a:p>
@@ -1112,7 +1112,7 @@
           <a:p>
             <a:fld id="{423E73C1-A55A-E744-B6CD-C2F9DA663573}" type="datetimeFigureOut">
               <a:rPr kumimoji="1" lang="ja-JP" altLang="en-US" smtClean="0"/>
-              <a:t>2018/9/18</a:t>
+              <a:t>2018/9/19</a:t>
             </a:fld>
             <a:endParaRPr kumimoji="1" lang="ja-JP" altLang="en-US"/>
           </a:p>
@@ -1422,7 +1422,7 @@
           <a:p>
             <a:fld id="{423E73C1-A55A-E744-B6CD-C2F9DA663573}" type="datetimeFigureOut">
               <a:rPr kumimoji="1" lang="ja-JP" altLang="en-US" smtClean="0"/>
-              <a:t>2018/9/18</a:t>
+              <a:t>2018/9/19</a:t>
             </a:fld>
             <a:endParaRPr kumimoji="1" lang="ja-JP" altLang="en-US"/>
           </a:p>
@@ -1701,7 +1701,7 @@
           <a:p>
             <a:fld id="{423E73C1-A55A-E744-B6CD-C2F9DA663573}" type="datetimeFigureOut">
               <a:rPr kumimoji="1" lang="ja-JP" altLang="en-US" smtClean="0"/>
-              <a:t>2018/9/18</a:t>
+              <a:t>2018/9/19</a:t>
             </a:fld>
             <a:endParaRPr kumimoji="1" lang="ja-JP" altLang="en-US"/>
           </a:p>
@@ -2197,7 +2197,7 @@
           <a:p>
             <a:fld id="{423E73C1-A55A-E744-B6CD-C2F9DA663573}" type="datetimeFigureOut">
               <a:rPr kumimoji="1" lang="ja-JP" altLang="en-US" smtClean="0"/>
-              <a:t>2018/9/18</a:t>
+              <a:t>2018/9/19</a:t>
             </a:fld>
             <a:endParaRPr kumimoji="1" lang="ja-JP" altLang="en-US"/>
           </a:p>
@@ -2349,7 +2349,7 @@
           <a:p>
             <a:fld id="{423E73C1-A55A-E744-B6CD-C2F9DA663573}" type="datetimeFigureOut">
               <a:rPr kumimoji="1" lang="ja-JP" altLang="en-US" smtClean="0"/>
-              <a:t>2018/9/18</a:t>
+              <a:t>2018/9/19</a:t>
             </a:fld>
             <a:endParaRPr kumimoji="1" lang="ja-JP" altLang="en-US"/>
           </a:p>
@@ -2462,7 +2462,7 @@
           <a:p>
             <a:fld id="{423E73C1-A55A-E744-B6CD-C2F9DA663573}" type="datetimeFigureOut">
               <a:rPr kumimoji="1" lang="ja-JP" altLang="en-US" smtClean="0"/>
-              <a:t>2018/9/18</a:t>
+              <a:t>2018/9/19</a:t>
             </a:fld>
             <a:endParaRPr kumimoji="1" lang="ja-JP" altLang="en-US"/>
           </a:p>
@@ -2815,7 +2815,7 @@
           <a:p>
             <a:fld id="{423E73C1-A55A-E744-B6CD-C2F9DA663573}" type="datetimeFigureOut">
               <a:rPr kumimoji="1" lang="ja-JP" altLang="en-US" smtClean="0"/>
-              <a:t>2018/9/18</a:t>
+              <a:t>2018/9/19</a:t>
             </a:fld>
             <a:endParaRPr kumimoji="1" lang="ja-JP" altLang="en-US"/>
           </a:p>
@@ -3138,7 +3138,7 @@
           <a:p>
             <a:fld id="{423E73C1-A55A-E744-B6CD-C2F9DA663573}" type="datetimeFigureOut">
               <a:rPr kumimoji="1" lang="ja-JP" altLang="en-US" smtClean="0"/>
-              <a:t>2018/9/18</a:t>
+              <a:t>2018/9/19</a:t>
             </a:fld>
             <a:endParaRPr kumimoji="1" lang="ja-JP" altLang="en-US"/>
           </a:p>
@@ -3386,7 +3386,7 @@
           <a:p>
             <a:fld id="{423E73C1-A55A-E744-B6CD-C2F9DA663573}" type="datetimeFigureOut">
               <a:rPr kumimoji="1" lang="ja-JP" altLang="en-US" smtClean="0"/>
-              <a:t>2018/9/18</a:t>
+              <a:t>2018/9/19</a:t>
             </a:fld>
             <a:endParaRPr kumimoji="1" lang="ja-JP" altLang="en-US"/>
           </a:p>
